--- a/ASP.NET Presentation_3.pptx
+++ b/ASP.NET Presentation_3.pptx
@@ -218,7 +218,7 @@
           <a:p>
             <a:fld id="{08B5203A-E65A-410B-BB27-74539FE81CB7}" type="datetimeFigureOut">
               <a:rPr lang="en-US" smtClean="0"/>
-              <a:t>19-Sep-15</a:t>
+              <a:t>19-Dec-15</a:t>
             </a:fld>
             <a:endParaRPr lang="en-US"/>
           </a:p>
@@ -869,7 +869,7 @@
           <a:p>
             <a:fld id="{9863F11F-9756-4F3A-AEAA-DD62EB99D8E4}" type="datetimeFigureOut">
               <a:rPr lang="en-US" smtClean="0"/>
-              <a:t>19-Sep-15</a:t>
+              <a:t>19-Dec-15</a:t>
             </a:fld>
             <a:endParaRPr lang="en-US"/>
           </a:p>
@@ -1039,7 +1039,7 @@
           <a:p>
             <a:fld id="{9863F11F-9756-4F3A-AEAA-DD62EB99D8E4}" type="datetimeFigureOut">
               <a:rPr lang="en-US" smtClean="0"/>
-              <a:t>19-Sep-15</a:t>
+              <a:t>19-Dec-15</a:t>
             </a:fld>
             <a:endParaRPr lang="en-US"/>
           </a:p>
@@ -1219,7 +1219,7 @@
           <a:p>
             <a:fld id="{9863F11F-9756-4F3A-AEAA-DD62EB99D8E4}" type="datetimeFigureOut">
               <a:rPr lang="en-US" smtClean="0"/>
-              <a:t>19-Sep-15</a:t>
+              <a:t>19-Dec-15</a:t>
             </a:fld>
             <a:endParaRPr lang="en-US"/>
           </a:p>
@@ -1389,7 +1389,7 @@
           <a:p>
             <a:fld id="{9863F11F-9756-4F3A-AEAA-DD62EB99D8E4}" type="datetimeFigureOut">
               <a:rPr lang="en-US" smtClean="0"/>
-              <a:t>19-Sep-15</a:t>
+              <a:t>19-Dec-15</a:t>
             </a:fld>
             <a:endParaRPr lang="en-US"/>
           </a:p>
@@ -1635,7 +1635,7 @@
           <a:p>
             <a:fld id="{9863F11F-9756-4F3A-AEAA-DD62EB99D8E4}" type="datetimeFigureOut">
               <a:rPr lang="en-US" smtClean="0"/>
-              <a:t>19-Sep-15</a:t>
+              <a:t>19-Dec-15</a:t>
             </a:fld>
             <a:endParaRPr lang="en-US"/>
           </a:p>
@@ -1867,7 +1867,7 @@
           <a:p>
             <a:fld id="{9863F11F-9756-4F3A-AEAA-DD62EB99D8E4}" type="datetimeFigureOut">
               <a:rPr lang="en-US" smtClean="0"/>
-              <a:t>19-Sep-15</a:t>
+              <a:t>19-Dec-15</a:t>
             </a:fld>
             <a:endParaRPr lang="en-US"/>
           </a:p>
@@ -2234,7 +2234,7 @@
           <a:p>
             <a:fld id="{9863F11F-9756-4F3A-AEAA-DD62EB99D8E4}" type="datetimeFigureOut">
               <a:rPr lang="en-US" smtClean="0"/>
-              <a:t>19-Sep-15</a:t>
+              <a:t>19-Dec-15</a:t>
             </a:fld>
             <a:endParaRPr lang="en-US"/>
           </a:p>
@@ -2352,7 +2352,7 @@
           <a:p>
             <a:fld id="{9863F11F-9756-4F3A-AEAA-DD62EB99D8E4}" type="datetimeFigureOut">
               <a:rPr lang="en-US" smtClean="0"/>
-              <a:t>19-Sep-15</a:t>
+              <a:t>19-Dec-15</a:t>
             </a:fld>
             <a:endParaRPr lang="en-US"/>
           </a:p>
@@ -2447,7 +2447,7 @@
           <a:p>
             <a:fld id="{9863F11F-9756-4F3A-AEAA-DD62EB99D8E4}" type="datetimeFigureOut">
               <a:rPr lang="en-US" smtClean="0"/>
-              <a:t>19-Sep-15</a:t>
+              <a:t>19-Dec-15</a:t>
             </a:fld>
             <a:endParaRPr lang="en-US"/>
           </a:p>
@@ -2724,7 +2724,7 @@
           <a:p>
             <a:fld id="{9863F11F-9756-4F3A-AEAA-DD62EB99D8E4}" type="datetimeFigureOut">
               <a:rPr lang="en-US" smtClean="0"/>
-              <a:t>19-Sep-15</a:t>
+              <a:t>19-Dec-15</a:t>
             </a:fld>
             <a:endParaRPr lang="en-US"/>
           </a:p>
@@ -2977,7 +2977,7 @@
           <a:p>
             <a:fld id="{9863F11F-9756-4F3A-AEAA-DD62EB99D8E4}" type="datetimeFigureOut">
               <a:rPr lang="en-US" smtClean="0"/>
-              <a:t>19-Sep-15</a:t>
+              <a:t>19-Dec-15</a:t>
             </a:fld>
             <a:endParaRPr lang="en-US"/>
           </a:p>
@@ -3190,7 +3190,7 @@
           <a:p>
             <a:fld id="{9863F11F-9756-4F3A-AEAA-DD62EB99D8E4}" type="datetimeFigureOut">
               <a:rPr lang="en-US" smtClean="0"/>
-              <a:t>19-Sep-15</a:t>
+              <a:t>19-Dec-15</a:t>
             </a:fld>
             <a:endParaRPr lang="en-US"/>
           </a:p>
@@ -3667,8 +3667,8 @@
         </p:nvSpPr>
         <p:spPr>
           <a:xfrm>
-            <a:off x="831850" y="5096411"/>
-            <a:ext cx="3253453" cy="345743"/>
+            <a:off x="831850" y="5096412"/>
+            <a:ext cx="5444259" cy="1274618"/>
           </a:xfrm>
           <a:prstGeom prst="rect">
             <a:avLst/>
@@ -3676,7 +3676,7 @@
         </p:spPr>
         <p:txBody>
           <a:bodyPr vert="horz" lIns="91440" tIns="45720" rIns="91440" bIns="45720" rtlCol="0" anchor="b">
-            <a:normAutofit fontScale="92500" lnSpcReduction="20000"/>
+            <a:normAutofit/>
           </a:bodyPr>
           <a:lstStyle>
             <a:lvl1pPr algn="l" defTabSz="914400" rtl="0" eaLnBrk="1" latinLnBrk="0" hangingPunct="1">
@@ -3720,7 +3720,35 @@
                   <a:srgbClr val="00B0F0"/>
                 </a:solidFill>
               </a:rPr>
-              <a:t> Karim</a:t>
+              <a:t> </a:t>
+            </a:r>
+            <a:r>
+              <a:rPr lang="en-US" sz="2400" dirty="0" smtClean="0">
+                <a:solidFill>
+                  <a:srgbClr val="00B0F0"/>
+                </a:solidFill>
+              </a:rPr>
+              <a:t>Karim</a:t>
+            </a:r>
+          </a:p>
+          <a:p>
+            <a:r>
+              <a:rPr lang="en-US" sz="2400" dirty="0" smtClean="0">
+                <a:solidFill>
+                  <a:srgbClr val="00B0F0"/>
+                </a:solidFill>
+              </a:rPr>
+              <a:t>Supervised by </a:t>
+            </a:r>
+          </a:p>
+          <a:p>
+            <a:r>
+              <a:rPr lang="en-US" sz="2400" dirty="0" smtClean="0">
+                <a:solidFill>
+                  <a:srgbClr val="00B0F0"/>
+                </a:solidFill>
+              </a:rPr>
+              <a:t>Dr. Nova Ahmed</a:t>
             </a:r>
             <a:endParaRPr lang="en-US" sz="2400" dirty="0">
               <a:solidFill>
@@ -9003,11 +9031,7 @@
             </a:pPr>
             <a:r>
               <a:rPr lang="en-US" dirty="0" smtClean="0"/>
-              <a:t>Rich optimized registration system</a:t>
-            </a:r>
-            <a:r>
-              <a:rPr lang="en-US" dirty="0" smtClean="0"/>
-              <a:t>.</a:t>
+              <a:t>Rich optimized registration system.</a:t>
             </a:r>
           </a:p>
           <a:p>
@@ -9027,7 +9051,6 @@
               <a:rPr lang="en-US" dirty="0" smtClean="0"/>
               <a:t>User management system</a:t>
             </a:r>
-            <a:endParaRPr lang="en-US" dirty="0" smtClean="0"/>
           </a:p>
           <a:p>
             <a:pPr marL="342900" indent="-342900">
@@ -9226,11 +9249,6 @@
               </a:rPr>
               <a:t>No user management system out of the box.</a:t>
             </a:r>
-            <a:endParaRPr lang="en-US" dirty="0" smtClean="0">
-              <a:solidFill>
-                <a:srgbClr val="FF0000"/>
-              </a:solidFill>
-            </a:endParaRPr>
           </a:p>
           <a:p>
             <a:pPr marL="342900" indent="-342900">
@@ -9242,21 +9260,12 @@
                   <a:srgbClr val="FF0000"/>
                 </a:solidFill>
               </a:rPr>
-              <a:t>Scaffoldings</a:t>
-            </a:r>
-            <a:r>
-              <a:rPr lang="en-US" dirty="0" smtClean="0">
-                <a:solidFill>
-                  <a:srgbClr val="FF0000"/>
-                </a:solidFill>
-              </a:rPr>
-              <a:t> are not efficient</a:t>
+              <a:t>Scaffoldings are not efficient</a:t>
             </a:r>
             <a:r>
               <a:rPr lang="en-US" dirty="0" smtClean="0"/>
               <a:t>.</a:t>
             </a:r>
-            <a:endParaRPr lang="en-US" dirty="0" smtClean="0"/>
           </a:p>
           <a:p>
             <a:pPr marL="342900" indent="-342900">
